--- a/教材/3章_AWSの利用.pptx
+++ b/教材/3章_AWSの利用.pptx
@@ -178,7 +178,7 @@
 <file path=ppt/revisionInfo.xml><?xml version="1.0" encoding="utf-8"?>
 <p1510:revInfo xmlns:a="http://schemas.openxmlformats.org/drawingml/2006/main" xmlns:r="http://schemas.openxmlformats.org/officeDocument/2006/relationships" xmlns:p1510="http://schemas.microsoft.com/office/powerpoint/2015/10/main">
   <p1510:revLst>
-    <p1510:client id="{AAF1E0A7-4FDC-4926-AFDC-9C966FA73B62}" v="2" dt="2022-12-28T11:46:13.513"/>
+    <p1510:client id="{8664FD11-3759-49E9-9040-A6F8C23ED4F9}" v="3" dt="2023-02-07T13:11:13.270"/>
   </p1510:revLst>
 </p1510:revInfo>
 </file>
@@ -219,6 +219,45 @@
             <pc:docMk/>
             <pc:sldMk cId="1868244200" sldId="302"/>
             <ac:spMk id="10" creationId="{4C8D8093-D708-E46A-39FD-79BFCCF8875B}"/>
+          </ac:spMkLst>
+        </pc:spChg>
+      </pc:sldChg>
+    </pc:docChg>
+  </pc:docChgLst>
+  <pc:docChgLst>
+    <pc:chgData name="尾嵜 成真" userId="dd95f81a979e9056" providerId="LiveId" clId="{8664FD11-3759-49E9-9040-A6F8C23ED4F9}"/>
+    <pc:docChg chg="modSld">
+      <pc:chgData name="尾嵜 成真" userId="dd95f81a979e9056" providerId="LiveId" clId="{8664FD11-3759-49E9-9040-A6F8C23ED4F9}" dt="2023-02-07T13:11:57.189" v="17" actId="14100"/>
+      <pc:docMkLst>
+        <pc:docMk/>
+      </pc:docMkLst>
+      <pc:sldChg chg="modSp mod">
+        <pc:chgData name="尾嵜 成真" userId="dd95f81a979e9056" providerId="LiveId" clId="{8664FD11-3759-49E9-9040-A6F8C23ED4F9}" dt="2023-02-07T13:05:58.840" v="2" actId="20577"/>
+        <pc:sldMkLst>
+          <pc:docMk/>
+          <pc:sldMk cId="3521420195" sldId="303"/>
+        </pc:sldMkLst>
+        <pc:spChg chg="mod">
+          <ac:chgData name="尾嵜 成真" userId="dd95f81a979e9056" providerId="LiveId" clId="{8664FD11-3759-49E9-9040-A6F8C23ED4F9}" dt="2023-02-07T13:05:58.840" v="2" actId="20577"/>
+          <ac:spMkLst>
+            <pc:docMk/>
+            <pc:sldMk cId="3521420195" sldId="303"/>
+            <ac:spMk id="10" creationId="{4C8D8093-D708-E46A-39FD-79BFCCF8875B}"/>
+          </ac:spMkLst>
+        </pc:spChg>
+      </pc:sldChg>
+      <pc:sldChg chg="modSp mod">
+        <pc:chgData name="尾嵜 成真" userId="dd95f81a979e9056" providerId="LiveId" clId="{8664FD11-3759-49E9-9040-A6F8C23ED4F9}" dt="2023-02-07T13:11:57.189" v="17" actId="14100"/>
+        <pc:sldMkLst>
+          <pc:docMk/>
+          <pc:sldMk cId="2224352432" sldId="305"/>
+        </pc:sldMkLst>
+        <pc:spChg chg="mod">
+          <ac:chgData name="尾嵜 成真" userId="dd95f81a979e9056" providerId="LiveId" clId="{8664FD11-3759-49E9-9040-A6F8C23ED4F9}" dt="2023-02-07T13:11:57.189" v="17" actId="14100"/>
+          <ac:spMkLst>
+            <pc:docMk/>
+            <pc:sldMk cId="2224352432" sldId="305"/>
+            <ac:spMk id="6" creationId="{1DB185D5-AB65-269B-1064-DCA24728C475}"/>
           </ac:spMkLst>
         </pc:spChg>
       </pc:sldChg>
@@ -1719,7 +1758,7 @@
             <a:fld id="{D4CCFBE2-2B8D-499C-81C9-2CD5B3EB8E93}" type="datetimeFigureOut">
               <a:rPr lang="ko-KR" altLang="en-US" smtClean="0"/>
               <a:pPr/>
-              <a:t>2023-01-22</a:t>
+              <a:t>2023-02-07</a:t>
             </a:fld>
             <a:endParaRPr lang="ko-KR" altLang="en-US"/>
           </a:p>
@@ -1886,7 +1925,7 @@
             <a:fld id="{FB545AC5-813F-4ED1-B011-8EA17CB93331}" type="datetimeFigureOut">
               <a:rPr lang="ko-KR" altLang="en-US" smtClean="0"/>
               <a:pPr/>
-              <a:t>2023-01-22</a:t>
+              <a:t>2023-02-07</a:t>
             </a:fld>
             <a:endParaRPr lang="ko-KR" altLang="en-US"/>
           </a:p>
@@ -2308,7 +2347,7 @@
             <a:fld id="{ED3D6733-6F27-4404-AB51-585418F146E5}" type="datetimeFigureOut">
               <a:rPr lang="ko-KR" altLang="en-US" smtClean="0"/>
               <a:pPr/>
-              <a:t>2023-01-22</a:t>
+              <a:t>2023-02-07</a:t>
             </a:fld>
             <a:endParaRPr lang="ko-KR" altLang="en-US"/>
           </a:p>
@@ -2493,7 +2532,7 @@
             <a:fld id="{ED3D6733-6F27-4404-AB51-585418F146E5}" type="datetimeFigureOut">
               <a:rPr lang="ko-KR" altLang="en-US" smtClean="0"/>
               <a:pPr/>
-              <a:t>2023-01-22</a:t>
+              <a:t>2023-02-07</a:t>
             </a:fld>
             <a:endParaRPr lang="ko-KR" altLang="en-US"/>
           </a:p>
@@ -2631,7 +2670,7 @@
             <a:fld id="{ED3D6733-6F27-4404-AB51-585418F146E5}" type="datetimeFigureOut">
               <a:rPr lang="ko-KR" altLang="en-US" smtClean="0"/>
               <a:pPr/>
-              <a:t>2023-01-22</a:t>
+              <a:t>2023-02-07</a:t>
             </a:fld>
             <a:endParaRPr lang="ko-KR" altLang="en-US"/>
           </a:p>
@@ -2844,7 +2883,7 @@
             <a:fld id="{ED3D6733-6F27-4404-AB51-585418F146E5}" type="datetimeFigureOut">
               <a:rPr lang="ko-KR" altLang="en-US" smtClean="0"/>
               <a:pPr/>
-              <a:t>2023-01-22</a:t>
+              <a:t>2023-02-07</a:t>
             </a:fld>
             <a:endParaRPr lang="ko-KR" altLang="en-US"/>
           </a:p>
@@ -3121,7 +3160,7 @@
             <a:fld id="{ED3D6733-6F27-4404-AB51-585418F146E5}" type="datetimeFigureOut">
               <a:rPr lang="ko-KR" altLang="en-US" smtClean="0"/>
               <a:pPr/>
-              <a:t>2023-01-22</a:t>
+              <a:t>2023-02-07</a:t>
             </a:fld>
             <a:endParaRPr lang="ko-KR" altLang="en-US"/>
           </a:p>
@@ -3444,7 +3483,7 @@
             <a:fld id="{ED3D6733-6F27-4404-AB51-585418F146E5}" type="datetimeFigureOut">
               <a:rPr lang="ko-KR" altLang="en-US" smtClean="0"/>
               <a:pPr/>
-              <a:t>2023-01-22</a:t>
+              <a:t>2023-02-07</a:t>
             </a:fld>
             <a:endParaRPr lang="ko-KR" altLang="en-US"/>
           </a:p>
@@ -3717,7 +3756,7 @@
             <a:fld id="{ED3D6733-6F27-4404-AB51-585418F146E5}" type="datetimeFigureOut">
               <a:rPr lang="ko-KR" altLang="en-US" smtClean="0"/>
               <a:pPr/>
-              <a:t>2023-01-22</a:t>
+              <a:t>2023-02-07</a:t>
             </a:fld>
             <a:endParaRPr lang="ko-KR" altLang="en-US"/>
           </a:p>
@@ -4919,35 +4958,9 @@
                 </a:solidFill>
                 <a:latin typeface="BIZ UDP明朝 Medium" panose="02020500000000000000" pitchFamily="18" charset="-128"/>
                 <a:ea typeface="BIZ UDP明朝 Medium" panose="02020500000000000000" pitchFamily="18" charset="-128"/>
-              </a:rPr>
-              <a:t>開設手順「</a:t>
-            </a:r>
-            <a:r>
-              <a:rPr lang="en-US" altLang="ja-JP" i="0" dirty="0">
-                <a:solidFill>
-                  <a:srgbClr val="0070C0"/>
-                </a:solidFill>
-                <a:latin typeface="BIZ UDP明朝 Medium" panose="02020500000000000000" pitchFamily="18" charset="-128"/>
-                <a:ea typeface="BIZ UDP明朝 Medium" panose="02020500000000000000" pitchFamily="18" charset="-128"/>
-                <a:hlinkClick r:id="rId2">
-                  <a:extLst>
-                    <a:ext uri="{A12FA001-AC4F-418D-AE19-62706E023703}">
-                      <ahyp:hlinkClr xmlns:ahyp="http://schemas.microsoft.com/office/drawing/2018/hyperlinkcolor" val="tx"/>
-                    </a:ext>
-                  </a:extLst>
-                </a:hlinkClick>
-              </a:rPr>
-              <a:t>https://aws.amazon.com/jp/register-flow/</a:t>
-            </a:r>
-            <a:r>
-              <a:rPr lang="ja-JP" altLang="en-US" i="0" dirty="0">
-                <a:solidFill>
-                  <a:schemeClr val="tx1"/>
-                </a:solidFill>
-                <a:latin typeface="BIZ UDP明朝 Medium" panose="02020500000000000000" pitchFamily="18" charset="-128"/>
-                <a:ea typeface="BIZ UDP明朝 Medium" panose="02020500000000000000" pitchFamily="18" charset="-128"/>
-              </a:rPr>
-              <a:t>」</a:t>
+                <a:hlinkClick r:id="rId2"/>
+              </a:rPr>
+              <a:t>開設手順</a:t>
             </a:r>
             <a:endParaRPr lang="en-US" altLang="ja-JP" i="0" dirty="0">
               <a:solidFill>
@@ -6295,7 +6308,7 @@
         <p:spPr>
           <a:xfrm>
             <a:off x="395536" y="1124744"/>
-            <a:ext cx="8402525" cy="5733256"/>
+            <a:ext cx="8402525" cy="4680520"/>
           </a:xfrm>
           <a:solidFill>
             <a:schemeClr val="bg1"/>
@@ -6336,7 +6349,7 @@
                 <a:latin typeface="BIZ UDP明朝 Medium" panose="02020500000000000000" pitchFamily="18" charset="-128"/>
                 <a:ea typeface="BIZ UDP明朝 Medium" panose="02020500000000000000" pitchFamily="18" charset="-128"/>
               </a:rPr>
-              <a:t>はを利用するためには、必ず料金が発生します。従量課金制のため、使った分だけ料金が発生します。したがって、</a:t>
+              <a:t>を利用するためには、必ず料金が発生します。従量課金制のため、使った分だけ料金が発生します。したがって、</a:t>
             </a:r>
             <a:r>
               <a:rPr lang="en-US" altLang="ja-JP" i="0" dirty="0">
@@ -6544,10 +6557,10 @@
                 <a:latin typeface="BIZ UDP明朝 Medium" panose="02020500000000000000" pitchFamily="18" charset="-128"/>
                 <a:ea typeface="BIZ UDP明朝 Medium" panose="02020500000000000000" pitchFamily="18" charset="-128"/>
               </a:rPr>
-              <a:t>。しかし、すべてのサービスが無料になるわけではありあませんので、要注意です。（無料枠：「</a:t>
-            </a:r>
-            <a:r>
-              <a:rPr lang="en-US" altLang="ja-JP" i="0" dirty="0">
+              <a:t>。しかし、すべてのサービスが無料になるわけではありあませんので、要注意です。（</a:t>
+            </a:r>
+            <a:r>
+              <a:rPr lang="ja-JP" altLang="en-US" i="0" dirty="0">
                 <a:solidFill>
                   <a:srgbClr val="333333"/>
                 </a:solidFill>
@@ -6556,7 +6569,7 @@
                 <a:ea typeface="BIZ UDP明朝 Medium" panose="02020500000000000000" pitchFamily="18" charset="-128"/>
                 <a:hlinkClick r:id="rId2"/>
               </a:rPr>
-              <a:t>https://aws.amazon.com/jp/free/?all-free-tier.sort-by=item.additionalFields.SortRank&amp;all-free-tier.sort-order=asc</a:t>
+              <a:t>無料枠</a:t>
             </a:r>
             <a:r>
               <a:rPr lang="ja-JP" altLang="en-US" i="0" dirty="0">
@@ -6567,7 +6580,7 @@
                 <a:latin typeface="BIZ UDP明朝 Medium" panose="02020500000000000000" pitchFamily="18" charset="-128"/>
                 <a:ea typeface="BIZ UDP明朝 Medium" panose="02020500000000000000" pitchFamily="18" charset="-128"/>
               </a:rPr>
-              <a:t>」）</a:t>
+              <a:t>）</a:t>
             </a:r>
             <a:endParaRPr lang="en-US" altLang="ja-JP" i="0" dirty="0">
               <a:solidFill>
@@ -6731,7 +6744,30 @@
                 <a:latin typeface="BIZ UDP明朝 Medium" panose="02020500000000000000" pitchFamily="18" charset="-128"/>
                 <a:ea typeface="BIZ UDP明朝 Medium" panose="02020500000000000000" pitchFamily="18" charset="-128"/>
               </a:rPr>
-              <a:t>を見るようにしましょう。通常はルートユーザーしか見ることができませんが、以下の手順を踏むと、</a:t>
+              <a:t>を見るようにしましょう。通常はルートユーザーしか見ることができませんが、</a:t>
+            </a:r>
+            <a:r>
+              <a:rPr lang="ja-JP" altLang="en-US" i="0" dirty="0">
+                <a:solidFill>
+                  <a:srgbClr val="333333"/>
+                </a:solidFill>
+                <a:effectLst/>
+                <a:latin typeface="BIZ UDP明朝 Medium" panose="02020500000000000000" pitchFamily="18" charset="-128"/>
+                <a:ea typeface="BIZ UDP明朝 Medium" panose="02020500000000000000" pitchFamily="18" charset="-128"/>
+                <a:hlinkClick r:id="rId3"/>
+              </a:rPr>
+              <a:t>こちらの手順</a:t>
+            </a:r>
+            <a:r>
+              <a:rPr lang="ja-JP" altLang="en-US" i="0" dirty="0">
+                <a:solidFill>
+                  <a:srgbClr val="333333"/>
+                </a:solidFill>
+                <a:effectLst/>
+                <a:latin typeface="BIZ UDP明朝 Medium" panose="02020500000000000000" pitchFamily="18" charset="-128"/>
+                <a:ea typeface="BIZ UDP明朝 Medium" panose="02020500000000000000" pitchFamily="18" charset="-128"/>
+              </a:rPr>
+              <a:t>を踏むと、</a:t>
             </a:r>
             <a:r>
               <a:rPr lang="en-US" altLang="ja-JP" i="0" dirty="0">
@@ -6760,47 +6796,6 @@
                 <a:srgbClr val="333333"/>
               </a:solidFill>
               <a:effectLst/>
-              <a:latin typeface="BIZ UDP明朝 Medium" panose="02020500000000000000" pitchFamily="18" charset="-128"/>
-              <a:ea typeface="BIZ UDP明朝 Medium" panose="02020500000000000000" pitchFamily="18" charset="-128"/>
-            </a:endParaRPr>
-          </a:p>
-          <a:p>
-            <a:pPr marL="0" indent="0"/>
-            <a:r>
-              <a:rPr lang="ja-JP" altLang="en-US" i="0" dirty="0">
-                <a:solidFill>
-                  <a:srgbClr val="333333"/>
-                </a:solidFill>
-                <a:latin typeface="BIZ UDP明朝 Medium" panose="02020500000000000000" pitchFamily="18" charset="-128"/>
-                <a:ea typeface="BIZ UDP明朝 Medium" panose="02020500000000000000" pitchFamily="18" charset="-128"/>
-              </a:rPr>
-              <a:t>「</a:t>
-            </a:r>
-            <a:r>
-              <a:rPr lang="en-US" altLang="ja-JP" i="0" dirty="0">
-                <a:solidFill>
-                  <a:srgbClr val="333333"/>
-                </a:solidFill>
-                <a:latin typeface="BIZ UDP明朝 Medium" panose="02020500000000000000" pitchFamily="18" charset="-128"/>
-                <a:ea typeface="BIZ UDP明朝 Medium" panose="02020500000000000000" pitchFamily="18" charset="-128"/>
-                <a:hlinkClick r:id="rId3"/>
-              </a:rPr>
-              <a:t>https://dev.classmethod.jp/articles/show-your-aws-billing-info-to-iam-users/</a:t>
-            </a:r>
-            <a:r>
-              <a:rPr lang="ja-JP" altLang="en-US" i="0" dirty="0">
-                <a:solidFill>
-                  <a:srgbClr val="333333"/>
-                </a:solidFill>
-                <a:latin typeface="BIZ UDP明朝 Medium" panose="02020500000000000000" pitchFamily="18" charset="-128"/>
-                <a:ea typeface="BIZ UDP明朝 Medium" panose="02020500000000000000" pitchFamily="18" charset="-128"/>
-              </a:rPr>
-              <a:t>」</a:t>
-            </a:r>
-            <a:endParaRPr lang="en-US" altLang="ja-JP" i="0" dirty="0">
-              <a:solidFill>
-                <a:srgbClr val="333333"/>
-              </a:solidFill>
               <a:latin typeface="BIZ UDP明朝 Medium" panose="02020500000000000000" pitchFamily="18" charset="-128"/>
               <a:ea typeface="BIZ UDP明朝 Medium" panose="02020500000000000000" pitchFamily="18" charset="-128"/>
             </a:endParaRPr>
